--- a/Poster/221_Poster.pptx
+++ b/Poster/221_Poster.pptx
@@ -11842,13 +11842,13 @@
               <a:t>The gym environment provides us with pixels, rewards and a </a:t>
             </a:r>
             <a:r>
-              <a:rPr lang="en-US" sz="2700" dirty="0" err="1">
+              <a:rPr lang="en-US" sz="2700" dirty="0" smtClean="0">
                 <a:latin typeface="+mj-lt"/>
                 <a:ea typeface="Calibri"/>
                 <a:cs typeface="Calibri"/>
                 <a:sym typeface="Calibri"/>
               </a:rPr>
-              <a:t>boolean</a:t>
+              <a:t>Boolean </a:t>
             </a:r>
             <a:r>
               <a:rPr lang="en-US" sz="2700" dirty="0">
@@ -11857,7 +11857,7 @@
                 <a:cs typeface="Calibri"/>
                 <a:sym typeface="Calibri"/>
               </a:rPr>
-              <a:t> indicating if the episode has ended (which happens after 13 300 frames). The observation space is a 210*160 pixels 8-bit RGB image of the screen which is represented by an array of size (210, 160, 3).There are 9 possible </a:t>
+              <a:t>indicating if the episode has ended (which happens after 13 300 frames). The observation space is a 210*160 pixels 8-bit RGB image of the screen which is represented by an array of size (210, 160, 3).There are 9 possible </a:t>
             </a:r>
             <a:r>
               <a:rPr lang="en-US" sz="2700" b="1" dirty="0">
@@ -12612,7 +12612,7 @@
           <p:cNvPr id="2" name="Rectangle 1">
             <a:extLst>
               <a:ext uri="{FF2B5EF4-FFF2-40B4-BE49-F238E27FC236}">
-                <a16:creationId xmlns:a16="http://schemas.microsoft.com/office/drawing/2014/main" id="{A73FBCD3-4812-46F5-B0FF-6677DC709A9A}"/>
+                <a16:creationId xmlns:a16="http://schemas.microsoft.com/office/drawing/2014/main" xmlns="" id="{A73FBCD3-4812-46F5-B0FF-6677DC709A9A}"/>
               </a:ext>
             </a:extLst>
           </p:cNvPr>
@@ -12647,7 +12647,7 @@
           <p:cNvPr id="3" name="Rectangle 2">
             <a:extLst>
               <a:ext uri="{FF2B5EF4-FFF2-40B4-BE49-F238E27FC236}">
-                <a16:creationId xmlns:a16="http://schemas.microsoft.com/office/drawing/2014/main" id="{5B6EA0D6-945E-4A95-8550-AB492CF7FE5A}"/>
+                <a16:creationId xmlns:a16="http://schemas.microsoft.com/office/drawing/2014/main" xmlns="" id="{5B6EA0D6-945E-4A95-8550-AB492CF7FE5A}"/>
               </a:ext>
             </a:extLst>
           </p:cNvPr>
@@ -12682,7 +12682,7 @@
           <p:cNvPr id="4" name="Rectangle 3">
             <a:extLst>
               <a:ext uri="{FF2B5EF4-FFF2-40B4-BE49-F238E27FC236}">
-                <a16:creationId xmlns:a16="http://schemas.microsoft.com/office/drawing/2014/main" id="{6D25CF8F-816B-4C5A-9D2A-71487A8751EC}"/>
+                <a16:creationId xmlns:a16="http://schemas.microsoft.com/office/drawing/2014/main" xmlns="" id="{6D25CF8F-816B-4C5A-9D2A-71487A8751EC}"/>
               </a:ext>
             </a:extLst>
           </p:cNvPr>
@@ -12828,7 +12828,7 @@
           <p:cNvPr id="5" name="Picture 4">
             <a:extLst>
               <a:ext uri="{FF2B5EF4-FFF2-40B4-BE49-F238E27FC236}">
-                <a16:creationId xmlns:a16="http://schemas.microsoft.com/office/drawing/2014/main" id="{448D9E40-E2CC-4235-A1BB-ABF342DEC5DD}"/>
+                <a16:creationId xmlns:a16="http://schemas.microsoft.com/office/drawing/2014/main" xmlns="" id="{448D9E40-E2CC-4235-A1BB-ABF342DEC5DD}"/>
               </a:ext>
             </a:extLst>
           </p:cNvPr>
@@ -12858,7 +12858,7 @@
           <p:cNvPr id="6" name="Picture 5">
             <a:extLst>
               <a:ext uri="{FF2B5EF4-FFF2-40B4-BE49-F238E27FC236}">
-                <a16:creationId xmlns:a16="http://schemas.microsoft.com/office/drawing/2014/main" id="{EEA61F40-8135-4F96-A999-79038627A1C8}"/>
+                <a16:creationId xmlns:a16="http://schemas.microsoft.com/office/drawing/2014/main" xmlns="" id="{EEA61F40-8135-4F96-A999-79038627A1C8}"/>
               </a:ext>
             </a:extLst>
           </p:cNvPr>
@@ -12888,7 +12888,7 @@
           <p:cNvPr id="7" name="Picture 6">
             <a:extLst>
               <a:ext uri="{FF2B5EF4-FFF2-40B4-BE49-F238E27FC236}">
-                <a16:creationId xmlns:a16="http://schemas.microsoft.com/office/drawing/2014/main" id="{FAC14DC5-62FD-4B74-97A1-5F248E7016CA}"/>
+                <a16:creationId xmlns:a16="http://schemas.microsoft.com/office/drawing/2014/main" xmlns="" id="{FAC14DC5-62FD-4B74-97A1-5F248E7016CA}"/>
               </a:ext>
             </a:extLst>
           </p:cNvPr>
@@ -12918,7 +12918,7 @@
           <p:cNvPr id="13" name="Picture 12">
             <a:extLst>
               <a:ext uri="{FF2B5EF4-FFF2-40B4-BE49-F238E27FC236}">
-                <a16:creationId xmlns:a16="http://schemas.microsoft.com/office/drawing/2014/main" id="{BD1E6198-53C7-4414-8D18-CE0A7AED6000}"/>
+                <a16:creationId xmlns:a16="http://schemas.microsoft.com/office/drawing/2014/main" xmlns="" id="{BD1E6198-53C7-4414-8D18-CE0A7AED6000}"/>
               </a:ext>
             </a:extLst>
           </p:cNvPr>
@@ -12947,7 +12947,7 @@
           <p:cNvPr id="15" name="Picture 14">
             <a:extLst>
               <a:ext uri="{FF2B5EF4-FFF2-40B4-BE49-F238E27FC236}">
-                <a16:creationId xmlns:a16="http://schemas.microsoft.com/office/drawing/2014/main" id="{57AD1C60-12B9-4F65-9253-22575886406C}"/>
+                <a16:creationId xmlns:a16="http://schemas.microsoft.com/office/drawing/2014/main" xmlns="" id="{57AD1C60-12B9-4F65-9253-22575886406C}"/>
               </a:ext>
             </a:extLst>
           </p:cNvPr>
@@ -12977,7 +12977,7 @@
           <p:cNvPr id="17" name="Picture 16">
             <a:extLst>
               <a:ext uri="{FF2B5EF4-FFF2-40B4-BE49-F238E27FC236}">
-                <a16:creationId xmlns:a16="http://schemas.microsoft.com/office/drawing/2014/main" id="{A8B49230-39A2-4123-B59C-CFA42E874FF9}"/>
+                <a16:creationId xmlns:a16="http://schemas.microsoft.com/office/drawing/2014/main" xmlns="" id="{A8B49230-39A2-4123-B59C-CFA42E874FF9}"/>
               </a:ext>
             </a:extLst>
           </p:cNvPr>
@@ -13007,7 +13007,7 @@
           <p:cNvPr id="18" name="TextBox 17">
             <a:extLst>
               <a:ext uri="{FF2B5EF4-FFF2-40B4-BE49-F238E27FC236}">
-                <a16:creationId xmlns:a16="http://schemas.microsoft.com/office/drawing/2014/main" id="{600D6531-4208-4B29-AC92-0210C85045CC}"/>
+                <a16:creationId xmlns:a16="http://schemas.microsoft.com/office/drawing/2014/main" xmlns="" id="{600D6531-4208-4B29-AC92-0210C85045CC}"/>
               </a:ext>
             </a:extLst>
           </p:cNvPr>
@@ -13043,7 +13043,7 @@
           <p:cNvPr id="19" name="TextBox 18">
             <a:extLst>
               <a:ext uri="{FF2B5EF4-FFF2-40B4-BE49-F238E27FC236}">
-                <a16:creationId xmlns:a16="http://schemas.microsoft.com/office/drawing/2014/main" id="{98DEF7AF-6476-4C50-A2AA-61370B95D23B}"/>
+                <a16:creationId xmlns:a16="http://schemas.microsoft.com/office/drawing/2014/main" xmlns="" id="{98DEF7AF-6476-4C50-A2AA-61370B95D23B}"/>
               </a:ext>
             </a:extLst>
           </p:cNvPr>
@@ -13071,12 +13071,12 @@
               <a:t>Our next steps would be to expand the actions space to all 9 moves from the current 3 we have shortlisted. We are currently running only the first 1000 iterations of the game to train the car in the same </a:t>
             </a:r>
             <a:r>
-              <a:rPr lang="en-US" sz="2200" dirty="0" err="1"/>
-              <a:t>terrain.We</a:t>
+              <a:rPr lang="en-US" sz="2200" dirty="0" smtClean="0"/>
+              <a:t>terrain. We </a:t>
             </a:r>
             <a:r>
               <a:rPr lang="en-US" sz="2200" dirty="0"/>
-              <a:t> would like to expand to work on the different terrains. From the limited games we have run we noticed a significant improvement with Q learning and so with enough episodes we should be able to win the race.</a:t>
+              <a:t>would like to expand to work on the different terrains. From the limited games we have run we noticed a significant improvement with Q learning and so with enough episodes we should be able to win the race.</a:t>
             </a:r>
           </a:p>
         </p:txBody>
@@ -13086,7 +13086,7 @@
           <p:cNvPr id="21" name="Table 20">
             <a:extLst>
               <a:ext uri="{FF2B5EF4-FFF2-40B4-BE49-F238E27FC236}">
-                <a16:creationId xmlns:a16="http://schemas.microsoft.com/office/drawing/2014/main" id="{06D1C09E-4201-43B0-9662-5B66A1B5AC6C}"/>
+                <a16:creationId xmlns:a16="http://schemas.microsoft.com/office/drawing/2014/main" xmlns="" id="{06D1C09E-4201-43B0-9662-5B66A1B5AC6C}"/>
               </a:ext>
             </a:extLst>
           </p:cNvPr>
@@ -13115,42 +13115,42 @@
                 <a:gridCol w="1197909">
                   <a:extLst>
                     <a:ext uri="{9D8B030D-6E8A-4147-A177-3AD203B41FA5}">
-                      <a16:colId xmlns:a16="http://schemas.microsoft.com/office/drawing/2014/main" val="1563817293"/>
+                      <a16:colId xmlns:a16="http://schemas.microsoft.com/office/drawing/2014/main" xmlns="" val="1563817293"/>
                     </a:ext>
                   </a:extLst>
                 </a:gridCol>
                 <a:gridCol w="1556084">
                   <a:extLst>
                     <a:ext uri="{9D8B030D-6E8A-4147-A177-3AD203B41FA5}">
-                      <a16:colId xmlns:a16="http://schemas.microsoft.com/office/drawing/2014/main" val="999295482"/>
+                      <a16:colId xmlns:a16="http://schemas.microsoft.com/office/drawing/2014/main" xmlns="" val="999295482"/>
                     </a:ext>
                   </a:extLst>
                 </a:gridCol>
                 <a:gridCol w="2598821">
                   <a:extLst>
                     <a:ext uri="{9D8B030D-6E8A-4147-A177-3AD203B41FA5}">
-                      <a16:colId xmlns:a16="http://schemas.microsoft.com/office/drawing/2014/main" val="1011669137"/>
+                      <a16:colId xmlns:a16="http://schemas.microsoft.com/office/drawing/2014/main" xmlns="" val="1011669137"/>
                     </a:ext>
                   </a:extLst>
                 </a:gridCol>
                 <a:gridCol w="1941095">
                   <a:extLst>
                     <a:ext uri="{9D8B030D-6E8A-4147-A177-3AD203B41FA5}">
-                      <a16:colId xmlns:a16="http://schemas.microsoft.com/office/drawing/2014/main" val="1995611684"/>
+                      <a16:colId xmlns:a16="http://schemas.microsoft.com/office/drawing/2014/main" xmlns="" val="1995611684"/>
                     </a:ext>
                   </a:extLst>
                 </a:gridCol>
                 <a:gridCol w="3465095">
                   <a:extLst>
                     <a:ext uri="{9D8B030D-6E8A-4147-A177-3AD203B41FA5}">
-                      <a16:colId xmlns:a16="http://schemas.microsoft.com/office/drawing/2014/main" val="2005831546"/>
+                      <a16:colId xmlns:a16="http://schemas.microsoft.com/office/drawing/2014/main" xmlns="" val="2005831546"/>
                     </a:ext>
                   </a:extLst>
                 </a:gridCol>
                 <a:gridCol w="3497181">
                   <a:extLst>
                     <a:ext uri="{9D8B030D-6E8A-4147-A177-3AD203B41FA5}">
-                      <a16:colId xmlns:a16="http://schemas.microsoft.com/office/drawing/2014/main" val="3725766695"/>
+                      <a16:colId xmlns:a16="http://schemas.microsoft.com/office/drawing/2014/main" xmlns="" val="3725766695"/>
                     </a:ext>
                   </a:extLst>
                 </a:gridCol>
@@ -13256,7 +13256,7 @@
                 </a:tc>
                 <a:extLst>
                   <a:ext uri="{0D108BD9-81ED-4DB2-BD59-A6C34878D82A}">
-                    <a16:rowId xmlns:a16="http://schemas.microsoft.com/office/drawing/2014/main" val="1939364850"/>
+                    <a16:rowId xmlns:a16="http://schemas.microsoft.com/office/drawing/2014/main" xmlns="" val="1939364850"/>
                   </a:ext>
                 </a:extLst>
               </a:tr>
@@ -13347,7 +13347,7 @@
                 </a:tc>
                 <a:extLst>
                   <a:ext uri="{0D108BD9-81ED-4DB2-BD59-A6C34878D82A}">
-                    <a16:rowId xmlns:a16="http://schemas.microsoft.com/office/drawing/2014/main" val="836485868"/>
+                    <a16:rowId xmlns:a16="http://schemas.microsoft.com/office/drawing/2014/main" xmlns="" val="836485868"/>
                   </a:ext>
                 </a:extLst>
               </a:tr>
@@ -13360,7 +13360,7 @@
           <p:cNvPr id="51" name="Picture 50">
             <a:extLst>
               <a:ext uri="{FF2B5EF4-FFF2-40B4-BE49-F238E27FC236}">
-                <a16:creationId xmlns:a16="http://schemas.microsoft.com/office/drawing/2014/main" id="{026ED300-D5BF-456A-BAF3-858FD093D984}"/>
+                <a16:creationId xmlns:a16="http://schemas.microsoft.com/office/drawing/2014/main" xmlns="" id="{026ED300-D5BF-456A-BAF3-858FD093D984}"/>
               </a:ext>
             </a:extLst>
           </p:cNvPr>
